--- a/labs/lab2/Intro.pptx
+++ b/labs/lab2/Intro.pptx
@@ -114,6 +114,11 @@
       </a:defRPr>
     </a:lvl9pPr>
   </p:defaultTextStyle>
+  <p:extLst>
+    <p:ext uri="{EFAFB233-063F-42B5-8137-9DF3F51BA10A}">
+      <p15:sldGuideLst xmlns:p15="http://schemas.microsoft.com/office/powerpoint/2012/main"/>
+    </p:ext>
+  </p:extLst>
 </p:presentation>
 </file>
 
@@ -7733,6 +7738,14 @@
                 </a:r>
                 <a:r>
                   <a:rPr lang="en-US" sz="2000" b="1" dirty="0"/>
+                  <a:t>representative</a:t>
+                </a:r>
+                <a:r>
+                  <a:rPr lang="en-US" sz="2000" dirty="0"/>
+                  <a:t> </a:t>
+                </a:r>
+                <a:r>
+                  <a:rPr lang="en-US" sz="2000" b="1" dirty="0"/>
                   <a:t>utility functions associated with each option</a:t>
                 </a:r>
                 <a:r>
@@ -7754,10 +7767,10 @@
                       </m:sSubPr>
                       <m:e>
                         <m:r>
-                          <a:rPr lang="en-US" sz="2000" i="1" dirty="0" smtClean="0">
+                          <a:rPr lang="en-US" sz="2000" b="0" i="1" dirty="0" smtClean="0">
                             <a:latin typeface="Cambria Math" panose="02040503050406030204" pitchFamily="18" charset="0"/>
                           </a:rPr>
-                          <m:t>𝑈</m:t>
+                          <m:t>𝑉</m:t>
                         </m:r>
                       </m:e>
                       <m:sub>
@@ -8160,7 +8173,7 @@
               <a:blipFill>
                 <a:blip r:embed="rId2"/>
                 <a:stretch>
-                  <a:fillRect l="-714" t="-506"/>
+                  <a:fillRect l="-714" t="-506" r="-476"/>
                 </a:stretch>
               </a:blipFill>
             </p:spPr>
